--- a/Later/Java_Later/MongoDB_2/78/Model One-to-Many Relationships.pptx
+++ b/Later/Java_Later/MongoDB_2/78/Model One-to-Many Relationships.pptx
@@ -4815,8 +4815,8 @@
         </p:nvSpPr>
         <p:spPr>
           <a:xfrm>
-            <a:off x="917575" y="0"/>
-            <a:ext cx="6934200" cy="307777"/>
+            <a:off x="1143000" y="0"/>
+            <a:ext cx="7010399" cy="307777"/>
           </a:xfrm>
           <a:prstGeom prst="rect">
             <a:avLst/>
@@ -4939,7 +4939,7 @@
             <a:pPr algn="ctr"/>
             <a:r>
               <a:rPr lang="en-US" sz="1400" dirty="0"/>
-              <a:t>Model One-to-One Relationships with Embedded Documents (</a:t>
+              <a:t>Model One-to-Many Relationships with Embedded Documents (</a:t>
             </a:r>
             <a:r>
               <a:rPr lang="en-US" sz="1400" dirty="0">
@@ -5492,156 +5492,6 @@
       </p:sp>
       <p:sp>
         <p:nvSpPr>
-          <p:cNvPr id="9" name="Rectangle 8"/>
-          <p:cNvSpPr/>
-          <p:nvPr/>
-        </p:nvSpPr>
-        <p:spPr>
-          <a:xfrm>
-            <a:off x="917575" y="0"/>
-            <a:ext cx="6934200" cy="307777"/>
-          </a:xfrm>
-          <a:prstGeom prst="rect">
-            <a:avLst/>
-          </a:prstGeom>
-        </p:spPr>
-        <p:style>
-          <a:lnRef idx="1">
-            <a:schemeClr val="accent4"/>
-          </a:lnRef>
-          <a:fillRef idx="3">
-            <a:schemeClr val="accent4"/>
-          </a:fillRef>
-          <a:effectRef idx="2">
-            <a:schemeClr val="accent4"/>
-          </a:effectRef>
-          <a:fontRef idx="minor">
-            <a:schemeClr val="lt1"/>
-          </a:fontRef>
-        </p:style>
-        <p:txBody>
-          <a:bodyPr wrap="square">
-            <a:spAutoFit/>
-          </a:bodyPr>
-          <a:lstStyle>
-            <a:defPPr>
-              <a:defRPr lang="en-US"/>
-            </a:defPPr>
-            <a:lvl1pPr marL="0" algn="l" defTabSz="914400" rtl="0" eaLnBrk="1" latinLnBrk="0" hangingPunct="1">
-              <a:defRPr sz="1800" kern="1200">
-                <a:solidFill>
-                  <a:schemeClr val="lt1"/>
-                </a:solidFill>
-                <a:latin typeface="+mn-lt"/>
-                <a:ea typeface="+mn-ea"/>
-                <a:cs typeface="+mn-cs"/>
-              </a:defRPr>
-            </a:lvl1pPr>
-            <a:lvl2pPr marL="457200" algn="l" defTabSz="914400" rtl="0" eaLnBrk="1" latinLnBrk="0" hangingPunct="1">
-              <a:defRPr sz="1800" kern="1200">
-                <a:solidFill>
-                  <a:schemeClr val="lt1"/>
-                </a:solidFill>
-                <a:latin typeface="+mn-lt"/>
-                <a:ea typeface="+mn-ea"/>
-                <a:cs typeface="+mn-cs"/>
-              </a:defRPr>
-            </a:lvl2pPr>
-            <a:lvl3pPr marL="914400" algn="l" defTabSz="914400" rtl="0" eaLnBrk="1" latinLnBrk="0" hangingPunct="1">
-              <a:defRPr sz="1800" kern="1200">
-                <a:solidFill>
-                  <a:schemeClr val="lt1"/>
-                </a:solidFill>
-                <a:latin typeface="+mn-lt"/>
-                <a:ea typeface="+mn-ea"/>
-                <a:cs typeface="+mn-cs"/>
-              </a:defRPr>
-            </a:lvl3pPr>
-            <a:lvl4pPr marL="1371600" algn="l" defTabSz="914400" rtl="0" eaLnBrk="1" latinLnBrk="0" hangingPunct="1">
-              <a:defRPr sz="1800" kern="1200">
-                <a:solidFill>
-                  <a:schemeClr val="lt1"/>
-                </a:solidFill>
-                <a:latin typeface="+mn-lt"/>
-                <a:ea typeface="+mn-ea"/>
-                <a:cs typeface="+mn-cs"/>
-              </a:defRPr>
-            </a:lvl4pPr>
-            <a:lvl5pPr marL="1828800" algn="l" defTabSz="914400" rtl="0" eaLnBrk="1" latinLnBrk="0" hangingPunct="1">
-              <a:defRPr sz="1800" kern="1200">
-                <a:solidFill>
-                  <a:schemeClr val="lt1"/>
-                </a:solidFill>
-                <a:latin typeface="+mn-lt"/>
-                <a:ea typeface="+mn-ea"/>
-                <a:cs typeface="+mn-cs"/>
-              </a:defRPr>
-            </a:lvl5pPr>
-            <a:lvl6pPr marL="2286000" algn="l" defTabSz="914400" rtl="0" eaLnBrk="1" latinLnBrk="0" hangingPunct="1">
-              <a:defRPr sz="1800" kern="1200">
-                <a:solidFill>
-                  <a:schemeClr val="lt1"/>
-                </a:solidFill>
-                <a:latin typeface="+mn-lt"/>
-                <a:ea typeface="+mn-ea"/>
-                <a:cs typeface="+mn-cs"/>
-              </a:defRPr>
-            </a:lvl6pPr>
-            <a:lvl7pPr marL="2743200" algn="l" defTabSz="914400" rtl="0" eaLnBrk="1" latinLnBrk="0" hangingPunct="1">
-              <a:defRPr sz="1800" kern="1200">
-                <a:solidFill>
-                  <a:schemeClr val="lt1"/>
-                </a:solidFill>
-                <a:latin typeface="+mn-lt"/>
-                <a:ea typeface="+mn-ea"/>
-                <a:cs typeface="+mn-cs"/>
-              </a:defRPr>
-            </a:lvl7pPr>
-            <a:lvl8pPr marL="3200400" algn="l" defTabSz="914400" rtl="0" eaLnBrk="1" latinLnBrk="0" hangingPunct="1">
-              <a:defRPr sz="1800" kern="1200">
-                <a:solidFill>
-                  <a:schemeClr val="lt1"/>
-                </a:solidFill>
-                <a:latin typeface="+mn-lt"/>
-                <a:ea typeface="+mn-ea"/>
-                <a:cs typeface="+mn-cs"/>
-              </a:defRPr>
-            </a:lvl8pPr>
-            <a:lvl9pPr marL="3657600" algn="l" defTabSz="914400" rtl="0" eaLnBrk="1" latinLnBrk="0" hangingPunct="1">
-              <a:defRPr sz="1800" kern="1200">
-                <a:solidFill>
-                  <a:schemeClr val="lt1"/>
-                </a:solidFill>
-                <a:latin typeface="+mn-lt"/>
-                <a:ea typeface="+mn-ea"/>
-                <a:cs typeface="+mn-cs"/>
-              </a:defRPr>
-            </a:lvl9pPr>
-          </a:lstStyle>
-          <a:p>
-            <a:pPr algn="ctr"/>
-            <a:r>
-              <a:rPr lang="en-US" sz="1400" dirty="0"/>
-              <a:t>Model One-to-One Relationships with Embedded Documents (</a:t>
-            </a:r>
-            <a:r>
-              <a:rPr lang="en-US" sz="1400" dirty="0">
-                <a:solidFill>
-                  <a:schemeClr val="bg1"/>
-                </a:solidFill>
-                <a:latin typeface="Akzidenz"/>
-              </a:rPr>
-              <a:t>Embedded Document Pattern</a:t>
-            </a:r>
-            <a:r>
-              <a:rPr lang="en-US" sz="1400" dirty="0"/>
-              <a:t>)</a:t>
-            </a:r>
-          </a:p>
-        </p:txBody>
-      </p:sp>
-      <p:sp>
-        <p:nvSpPr>
           <p:cNvPr id="6" name="AutoShape 4" descr="Image result for xml symbol"/>
           <p:cNvSpPr>
             <a:spLocks noChangeAspect="1" noChangeArrowheads="1"/>
@@ -5850,6 +5700,162 @@
             <a:r>
               <a:rPr lang="en-US" sz="1200" dirty="0"/>
               <a:t>}</a:t>
+            </a:r>
+          </a:p>
+        </p:txBody>
+      </p:sp>
+      <p:sp>
+        <p:nvSpPr>
+          <p:cNvPr id="8" name="Rectangle 7">
+            <a:extLst>
+              <a:ext uri="{FF2B5EF4-FFF2-40B4-BE49-F238E27FC236}">
+                <a16:creationId xmlns:a16="http://schemas.microsoft.com/office/drawing/2014/main" id="{352D4C1D-1FE4-440C-A1C9-0B8AD5B249EB}"/>
+              </a:ext>
+            </a:extLst>
+          </p:cNvPr>
+          <p:cNvSpPr/>
+          <p:nvPr/>
+        </p:nvSpPr>
+        <p:spPr>
+          <a:xfrm>
+            <a:off x="1143000" y="0"/>
+            <a:ext cx="7010399" cy="307777"/>
+          </a:xfrm>
+          <a:prstGeom prst="rect">
+            <a:avLst/>
+          </a:prstGeom>
+        </p:spPr>
+        <p:style>
+          <a:lnRef idx="1">
+            <a:schemeClr val="accent4"/>
+          </a:lnRef>
+          <a:fillRef idx="3">
+            <a:schemeClr val="accent4"/>
+          </a:fillRef>
+          <a:effectRef idx="2">
+            <a:schemeClr val="accent4"/>
+          </a:effectRef>
+          <a:fontRef idx="minor">
+            <a:schemeClr val="lt1"/>
+          </a:fontRef>
+        </p:style>
+        <p:txBody>
+          <a:bodyPr wrap="square">
+            <a:spAutoFit/>
+          </a:bodyPr>
+          <a:lstStyle>
+            <a:defPPr>
+              <a:defRPr lang="en-US"/>
+            </a:defPPr>
+            <a:lvl1pPr marL="0" algn="l" defTabSz="914400" rtl="0" eaLnBrk="1" latinLnBrk="0" hangingPunct="1">
+              <a:defRPr sz="1800" kern="1200">
+                <a:solidFill>
+                  <a:schemeClr val="lt1"/>
+                </a:solidFill>
+                <a:latin typeface="+mn-lt"/>
+                <a:ea typeface="+mn-ea"/>
+                <a:cs typeface="+mn-cs"/>
+              </a:defRPr>
+            </a:lvl1pPr>
+            <a:lvl2pPr marL="457200" algn="l" defTabSz="914400" rtl="0" eaLnBrk="1" latinLnBrk="0" hangingPunct="1">
+              <a:defRPr sz="1800" kern="1200">
+                <a:solidFill>
+                  <a:schemeClr val="lt1"/>
+                </a:solidFill>
+                <a:latin typeface="+mn-lt"/>
+                <a:ea typeface="+mn-ea"/>
+                <a:cs typeface="+mn-cs"/>
+              </a:defRPr>
+            </a:lvl2pPr>
+            <a:lvl3pPr marL="914400" algn="l" defTabSz="914400" rtl="0" eaLnBrk="1" latinLnBrk="0" hangingPunct="1">
+              <a:defRPr sz="1800" kern="1200">
+                <a:solidFill>
+                  <a:schemeClr val="lt1"/>
+                </a:solidFill>
+                <a:latin typeface="+mn-lt"/>
+                <a:ea typeface="+mn-ea"/>
+                <a:cs typeface="+mn-cs"/>
+              </a:defRPr>
+            </a:lvl3pPr>
+            <a:lvl4pPr marL="1371600" algn="l" defTabSz="914400" rtl="0" eaLnBrk="1" latinLnBrk="0" hangingPunct="1">
+              <a:defRPr sz="1800" kern="1200">
+                <a:solidFill>
+                  <a:schemeClr val="lt1"/>
+                </a:solidFill>
+                <a:latin typeface="+mn-lt"/>
+                <a:ea typeface="+mn-ea"/>
+                <a:cs typeface="+mn-cs"/>
+              </a:defRPr>
+            </a:lvl4pPr>
+            <a:lvl5pPr marL="1828800" algn="l" defTabSz="914400" rtl="0" eaLnBrk="1" latinLnBrk="0" hangingPunct="1">
+              <a:defRPr sz="1800" kern="1200">
+                <a:solidFill>
+                  <a:schemeClr val="lt1"/>
+                </a:solidFill>
+                <a:latin typeface="+mn-lt"/>
+                <a:ea typeface="+mn-ea"/>
+                <a:cs typeface="+mn-cs"/>
+              </a:defRPr>
+            </a:lvl5pPr>
+            <a:lvl6pPr marL="2286000" algn="l" defTabSz="914400" rtl="0" eaLnBrk="1" latinLnBrk="0" hangingPunct="1">
+              <a:defRPr sz="1800" kern="1200">
+                <a:solidFill>
+                  <a:schemeClr val="lt1"/>
+                </a:solidFill>
+                <a:latin typeface="+mn-lt"/>
+                <a:ea typeface="+mn-ea"/>
+                <a:cs typeface="+mn-cs"/>
+              </a:defRPr>
+            </a:lvl6pPr>
+            <a:lvl7pPr marL="2743200" algn="l" defTabSz="914400" rtl="0" eaLnBrk="1" latinLnBrk="0" hangingPunct="1">
+              <a:defRPr sz="1800" kern="1200">
+                <a:solidFill>
+                  <a:schemeClr val="lt1"/>
+                </a:solidFill>
+                <a:latin typeface="+mn-lt"/>
+                <a:ea typeface="+mn-ea"/>
+                <a:cs typeface="+mn-cs"/>
+              </a:defRPr>
+            </a:lvl7pPr>
+            <a:lvl8pPr marL="3200400" algn="l" defTabSz="914400" rtl="0" eaLnBrk="1" latinLnBrk="0" hangingPunct="1">
+              <a:defRPr sz="1800" kern="1200">
+                <a:solidFill>
+                  <a:schemeClr val="lt1"/>
+                </a:solidFill>
+                <a:latin typeface="+mn-lt"/>
+                <a:ea typeface="+mn-ea"/>
+                <a:cs typeface="+mn-cs"/>
+              </a:defRPr>
+            </a:lvl8pPr>
+            <a:lvl9pPr marL="3657600" algn="l" defTabSz="914400" rtl="0" eaLnBrk="1" latinLnBrk="0" hangingPunct="1">
+              <a:defRPr sz="1800" kern="1200">
+                <a:solidFill>
+                  <a:schemeClr val="lt1"/>
+                </a:solidFill>
+                <a:latin typeface="+mn-lt"/>
+                <a:ea typeface="+mn-ea"/>
+                <a:cs typeface="+mn-cs"/>
+              </a:defRPr>
+            </a:lvl9pPr>
+          </a:lstStyle>
+          <a:p>
+            <a:pPr algn="ctr"/>
+            <a:r>
+              <a:rPr lang="en-US" sz="1400" dirty="0"/>
+              <a:t>Model One-to-Many Relationships with Embedded Documents (</a:t>
+            </a:r>
+            <a:r>
+              <a:rPr lang="en-US" sz="1400" dirty="0">
+                <a:solidFill>
+                  <a:schemeClr val="bg1"/>
+                </a:solidFill>
+                <a:latin typeface="Akzidenz"/>
+              </a:rPr>
+              <a:t>Embedded Document Pattern</a:t>
+            </a:r>
+            <a:r>
+              <a:rPr lang="en-US" sz="1400" dirty="0"/>
+              <a:t>)</a:t>
             </a:r>
           </a:p>
         </p:txBody>
@@ -6178,7 +6184,7 @@
             <a:pPr algn="ctr"/>
             <a:r>
               <a:rPr lang="en-US" sz="1400" dirty="0"/>
-              <a:t>Model One-to-One Relationships with Embedded Documents (Subset Pattern)</a:t>
+              <a:t>Model One-to-Many Relationships with Embedded Documents (Subset Pattern)</a:t>
             </a:r>
           </a:p>
         </p:txBody>
@@ -6439,149 +6445,6 @@
       </p:sp>
       <p:sp>
         <p:nvSpPr>
-          <p:cNvPr id="11" name="Rectangle 10">
-            <a:extLst>
-              <a:ext uri="{FF2B5EF4-FFF2-40B4-BE49-F238E27FC236}">
-                <a16:creationId xmlns:a16="http://schemas.microsoft.com/office/drawing/2014/main" id="{7142775A-ED08-4E7D-9A8D-92D911BD49C8}"/>
-              </a:ext>
-            </a:extLst>
-          </p:cNvPr>
-          <p:cNvSpPr/>
-          <p:nvPr/>
-        </p:nvSpPr>
-        <p:spPr>
-          <a:xfrm>
-            <a:off x="1712068" y="0"/>
-            <a:ext cx="5946775" cy="307777"/>
-          </a:xfrm>
-          <a:prstGeom prst="rect">
-            <a:avLst/>
-          </a:prstGeom>
-        </p:spPr>
-        <p:style>
-          <a:lnRef idx="1">
-            <a:schemeClr val="accent4"/>
-          </a:lnRef>
-          <a:fillRef idx="3">
-            <a:schemeClr val="accent4"/>
-          </a:fillRef>
-          <a:effectRef idx="2">
-            <a:schemeClr val="accent4"/>
-          </a:effectRef>
-          <a:fontRef idx="minor">
-            <a:schemeClr val="lt1"/>
-          </a:fontRef>
-        </p:style>
-        <p:txBody>
-          <a:bodyPr wrap="square">
-            <a:spAutoFit/>
-          </a:bodyPr>
-          <a:lstStyle>
-            <a:defPPr>
-              <a:defRPr lang="en-US"/>
-            </a:defPPr>
-            <a:lvl1pPr marL="0" algn="l" defTabSz="914400" rtl="0" eaLnBrk="1" latinLnBrk="0" hangingPunct="1">
-              <a:defRPr sz="1800" kern="1200">
-                <a:solidFill>
-                  <a:schemeClr val="lt1"/>
-                </a:solidFill>
-                <a:latin typeface="+mn-lt"/>
-                <a:ea typeface="+mn-ea"/>
-                <a:cs typeface="+mn-cs"/>
-              </a:defRPr>
-            </a:lvl1pPr>
-            <a:lvl2pPr marL="457200" algn="l" defTabSz="914400" rtl="0" eaLnBrk="1" latinLnBrk="0" hangingPunct="1">
-              <a:defRPr sz="1800" kern="1200">
-                <a:solidFill>
-                  <a:schemeClr val="lt1"/>
-                </a:solidFill>
-                <a:latin typeface="+mn-lt"/>
-                <a:ea typeface="+mn-ea"/>
-                <a:cs typeface="+mn-cs"/>
-              </a:defRPr>
-            </a:lvl2pPr>
-            <a:lvl3pPr marL="914400" algn="l" defTabSz="914400" rtl="0" eaLnBrk="1" latinLnBrk="0" hangingPunct="1">
-              <a:defRPr sz="1800" kern="1200">
-                <a:solidFill>
-                  <a:schemeClr val="lt1"/>
-                </a:solidFill>
-                <a:latin typeface="+mn-lt"/>
-                <a:ea typeface="+mn-ea"/>
-                <a:cs typeface="+mn-cs"/>
-              </a:defRPr>
-            </a:lvl3pPr>
-            <a:lvl4pPr marL="1371600" algn="l" defTabSz="914400" rtl="0" eaLnBrk="1" latinLnBrk="0" hangingPunct="1">
-              <a:defRPr sz="1800" kern="1200">
-                <a:solidFill>
-                  <a:schemeClr val="lt1"/>
-                </a:solidFill>
-                <a:latin typeface="+mn-lt"/>
-                <a:ea typeface="+mn-ea"/>
-                <a:cs typeface="+mn-cs"/>
-              </a:defRPr>
-            </a:lvl4pPr>
-            <a:lvl5pPr marL="1828800" algn="l" defTabSz="914400" rtl="0" eaLnBrk="1" latinLnBrk="0" hangingPunct="1">
-              <a:defRPr sz="1800" kern="1200">
-                <a:solidFill>
-                  <a:schemeClr val="lt1"/>
-                </a:solidFill>
-                <a:latin typeface="+mn-lt"/>
-                <a:ea typeface="+mn-ea"/>
-                <a:cs typeface="+mn-cs"/>
-              </a:defRPr>
-            </a:lvl5pPr>
-            <a:lvl6pPr marL="2286000" algn="l" defTabSz="914400" rtl="0" eaLnBrk="1" latinLnBrk="0" hangingPunct="1">
-              <a:defRPr sz="1800" kern="1200">
-                <a:solidFill>
-                  <a:schemeClr val="lt1"/>
-                </a:solidFill>
-                <a:latin typeface="+mn-lt"/>
-                <a:ea typeface="+mn-ea"/>
-                <a:cs typeface="+mn-cs"/>
-              </a:defRPr>
-            </a:lvl6pPr>
-            <a:lvl7pPr marL="2743200" algn="l" defTabSz="914400" rtl="0" eaLnBrk="1" latinLnBrk="0" hangingPunct="1">
-              <a:defRPr sz="1800" kern="1200">
-                <a:solidFill>
-                  <a:schemeClr val="lt1"/>
-                </a:solidFill>
-                <a:latin typeface="+mn-lt"/>
-                <a:ea typeface="+mn-ea"/>
-                <a:cs typeface="+mn-cs"/>
-              </a:defRPr>
-            </a:lvl7pPr>
-            <a:lvl8pPr marL="3200400" algn="l" defTabSz="914400" rtl="0" eaLnBrk="1" latinLnBrk="0" hangingPunct="1">
-              <a:defRPr sz="1800" kern="1200">
-                <a:solidFill>
-                  <a:schemeClr val="lt1"/>
-                </a:solidFill>
-                <a:latin typeface="+mn-lt"/>
-                <a:ea typeface="+mn-ea"/>
-                <a:cs typeface="+mn-cs"/>
-              </a:defRPr>
-            </a:lvl8pPr>
-            <a:lvl9pPr marL="3657600" algn="l" defTabSz="914400" rtl="0" eaLnBrk="1" latinLnBrk="0" hangingPunct="1">
-              <a:defRPr sz="1800" kern="1200">
-                <a:solidFill>
-                  <a:schemeClr val="lt1"/>
-                </a:solidFill>
-                <a:latin typeface="+mn-lt"/>
-                <a:ea typeface="+mn-ea"/>
-                <a:cs typeface="+mn-cs"/>
-              </a:defRPr>
-            </a:lvl9pPr>
-          </a:lstStyle>
-          <a:p>
-            <a:pPr algn="ctr"/>
-            <a:r>
-              <a:rPr lang="en-US" sz="1400" dirty="0"/>
-              <a:t>Model One-to-One Relationships with Embedded Documents (Subset Pattern)</a:t>
-            </a:r>
-          </a:p>
-        </p:txBody>
-      </p:sp>
-      <p:sp>
-        <p:nvSpPr>
           <p:cNvPr id="5" name="Rectangle 4">
             <a:extLst>
               <a:ext uri="{FF2B5EF4-FFF2-40B4-BE49-F238E27FC236}">
@@ -7056,6 +6919,149 @@
             <a:r>
               <a:rPr lang="en-US" sz="1200" dirty="0"/>
               <a:t>Product</a:t>
+            </a:r>
+          </a:p>
+        </p:txBody>
+      </p:sp>
+      <p:sp>
+        <p:nvSpPr>
+          <p:cNvPr id="10" name="Rectangle 9">
+            <a:extLst>
+              <a:ext uri="{FF2B5EF4-FFF2-40B4-BE49-F238E27FC236}">
+                <a16:creationId xmlns:a16="http://schemas.microsoft.com/office/drawing/2014/main" id="{6B146169-7197-4A75-820B-49AAF9312ECD}"/>
+              </a:ext>
+            </a:extLst>
+          </p:cNvPr>
+          <p:cNvSpPr/>
+          <p:nvPr/>
+        </p:nvSpPr>
+        <p:spPr>
+          <a:xfrm>
+            <a:off x="1712068" y="0"/>
+            <a:ext cx="5946775" cy="307777"/>
+          </a:xfrm>
+          <a:prstGeom prst="rect">
+            <a:avLst/>
+          </a:prstGeom>
+        </p:spPr>
+        <p:style>
+          <a:lnRef idx="1">
+            <a:schemeClr val="accent4"/>
+          </a:lnRef>
+          <a:fillRef idx="3">
+            <a:schemeClr val="accent4"/>
+          </a:fillRef>
+          <a:effectRef idx="2">
+            <a:schemeClr val="accent4"/>
+          </a:effectRef>
+          <a:fontRef idx="minor">
+            <a:schemeClr val="lt1"/>
+          </a:fontRef>
+        </p:style>
+        <p:txBody>
+          <a:bodyPr wrap="square">
+            <a:spAutoFit/>
+          </a:bodyPr>
+          <a:lstStyle>
+            <a:defPPr>
+              <a:defRPr lang="en-US"/>
+            </a:defPPr>
+            <a:lvl1pPr marL="0" algn="l" defTabSz="914400" rtl="0" eaLnBrk="1" latinLnBrk="0" hangingPunct="1">
+              <a:defRPr sz="1800" kern="1200">
+                <a:solidFill>
+                  <a:schemeClr val="lt1"/>
+                </a:solidFill>
+                <a:latin typeface="+mn-lt"/>
+                <a:ea typeface="+mn-ea"/>
+                <a:cs typeface="+mn-cs"/>
+              </a:defRPr>
+            </a:lvl1pPr>
+            <a:lvl2pPr marL="457200" algn="l" defTabSz="914400" rtl="0" eaLnBrk="1" latinLnBrk="0" hangingPunct="1">
+              <a:defRPr sz="1800" kern="1200">
+                <a:solidFill>
+                  <a:schemeClr val="lt1"/>
+                </a:solidFill>
+                <a:latin typeface="+mn-lt"/>
+                <a:ea typeface="+mn-ea"/>
+                <a:cs typeface="+mn-cs"/>
+              </a:defRPr>
+            </a:lvl2pPr>
+            <a:lvl3pPr marL="914400" algn="l" defTabSz="914400" rtl="0" eaLnBrk="1" latinLnBrk="0" hangingPunct="1">
+              <a:defRPr sz="1800" kern="1200">
+                <a:solidFill>
+                  <a:schemeClr val="lt1"/>
+                </a:solidFill>
+                <a:latin typeface="+mn-lt"/>
+                <a:ea typeface="+mn-ea"/>
+                <a:cs typeface="+mn-cs"/>
+              </a:defRPr>
+            </a:lvl3pPr>
+            <a:lvl4pPr marL="1371600" algn="l" defTabSz="914400" rtl="0" eaLnBrk="1" latinLnBrk="0" hangingPunct="1">
+              <a:defRPr sz="1800" kern="1200">
+                <a:solidFill>
+                  <a:schemeClr val="lt1"/>
+                </a:solidFill>
+                <a:latin typeface="+mn-lt"/>
+                <a:ea typeface="+mn-ea"/>
+                <a:cs typeface="+mn-cs"/>
+              </a:defRPr>
+            </a:lvl4pPr>
+            <a:lvl5pPr marL="1828800" algn="l" defTabSz="914400" rtl="0" eaLnBrk="1" latinLnBrk="0" hangingPunct="1">
+              <a:defRPr sz="1800" kern="1200">
+                <a:solidFill>
+                  <a:schemeClr val="lt1"/>
+                </a:solidFill>
+                <a:latin typeface="+mn-lt"/>
+                <a:ea typeface="+mn-ea"/>
+                <a:cs typeface="+mn-cs"/>
+              </a:defRPr>
+            </a:lvl5pPr>
+            <a:lvl6pPr marL="2286000" algn="l" defTabSz="914400" rtl="0" eaLnBrk="1" latinLnBrk="0" hangingPunct="1">
+              <a:defRPr sz="1800" kern="1200">
+                <a:solidFill>
+                  <a:schemeClr val="lt1"/>
+                </a:solidFill>
+                <a:latin typeface="+mn-lt"/>
+                <a:ea typeface="+mn-ea"/>
+                <a:cs typeface="+mn-cs"/>
+              </a:defRPr>
+            </a:lvl6pPr>
+            <a:lvl7pPr marL="2743200" algn="l" defTabSz="914400" rtl="0" eaLnBrk="1" latinLnBrk="0" hangingPunct="1">
+              <a:defRPr sz="1800" kern="1200">
+                <a:solidFill>
+                  <a:schemeClr val="lt1"/>
+                </a:solidFill>
+                <a:latin typeface="+mn-lt"/>
+                <a:ea typeface="+mn-ea"/>
+                <a:cs typeface="+mn-cs"/>
+              </a:defRPr>
+            </a:lvl7pPr>
+            <a:lvl8pPr marL="3200400" algn="l" defTabSz="914400" rtl="0" eaLnBrk="1" latinLnBrk="0" hangingPunct="1">
+              <a:defRPr sz="1800" kern="1200">
+                <a:solidFill>
+                  <a:schemeClr val="lt1"/>
+                </a:solidFill>
+                <a:latin typeface="+mn-lt"/>
+                <a:ea typeface="+mn-ea"/>
+                <a:cs typeface="+mn-cs"/>
+              </a:defRPr>
+            </a:lvl8pPr>
+            <a:lvl9pPr marL="3657600" algn="l" defTabSz="914400" rtl="0" eaLnBrk="1" latinLnBrk="0" hangingPunct="1">
+              <a:defRPr sz="1800" kern="1200">
+                <a:solidFill>
+                  <a:schemeClr val="lt1"/>
+                </a:solidFill>
+                <a:latin typeface="+mn-lt"/>
+                <a:ea typeface="+mn-ea"/>
+                <a:cs typeface="+mn-cs"/>
+              </a:defRPr>
+            </a:lvl9pPr>
+          </a:lstStyle>
+          <a:p>
+            <a:pPr algn="ctr"/>
+            <a:r>
+              <a:rPr lang="en-US" sz="1400" dirty="0"/>
+              <a:t>Model One-to-Many Relationships with Embedded Documents (Subset Pattern)</a:t>
             </a:r>
           </a:p>
         </p:txBody>
@@ -7567,149 +7573,6 @@
       </p:sp>
       <p:sp>
         <p:nvSpPr>
-          <p:cNvPr id="11" name="Rectangle 10">
-            <a:extLst>
-              <a:ext uri="{FF2B5EF4-FFF2-40B4-BE49-F238E27FC236}">
-                <a16:creationId xmlns:a16="http://schemas.microsoft.com/office/drawing/2014/main" id="{7142775A-ED08-4E7D-9A8D-92D911BD49C8}"/>
-              </a:ext>
-            </a:extLst>
-          </p:cNvPr>
-          <p:cNvSpPr/>
-          <p:nvPr/>
-        </p:nvSpPr>
-        <p:spPr>
-          <a:xfrm>
-            <a:off x="1712068" y="0"/>
-            <a:ext cx="5946775" cy="307777"/>
-          </a:xfrm>
-          <a:prstGeom prst="rect">
-            <a:avLst/>
-          </a:prstGeom>
-        </p:spPr>
-        <p:style>
-          <a:lnRef idx="1">
-            <a:schemeClr val="accent4"/>
-          </a:lnRef>
-          <a:fillRef idx="3">
-            <a:schemeClr val="accent4"/>
-          </a:fillRef>
-          <a:effectRef idx="2">
-            <a:schemeClr val="accent4"/>
-          </a:effectRef>
-          <a:fontRef idx="minor">
-            <a:schemeClr val="lt1"/>
-          </a:fontRef>
-        </p:style>
-        <p:txBody>
-          <a:bodyPr wrap="square">
-            <a:spAutoFit/>
-          </a:bodyPr>
-          <a:lstStyle>
-            <a:defPPr>
-              <a:defRPr lang="en-US"/>
-            </a:defPPr>
-            <a:lvl1pPr marL="0" algn="l" defTabSz="914400" rtl="0" eaLnBrk="1" latinLnBrk="0" hangingPunct="1">
-              <a:defRPr sz="1800" kern="1200">
-                <a:solidFill>
-                  <a:schemeClr val="lt1"/>
-                </a:solidFill>
-                <a:latin typeface="+mn-lt"/>
-                <a:ea typeface="+mn-ea"/>
-                <a:cs typeface="+mn-cs"/>
-              </a:defRPr>
-            </a:lvl1pPr>
-            <a:lvl2pPr marL="457200" algn="l" defTabSz="914400" rtl="0" eaLnBrk="1" latinLnBrk="0" hangingPunct="1">
-              <a:defRPr sz="1800" kern="1200">
-                <a:solidFill>
-                  <a:schemeClr val="lt1"/>
-                </a:solidFill>
-                <a:latin typeface="+mn-lt"/>
-                <a:ea typeface="+mn-ea"/>
-                <a:cs typeface="+mn-cs"/>
-              </a:defRPr>
-            </a:lvl2pPr>
-            <a:lvl3pPr marL="914400" algn="l" defTabSz="914400" rtl="0" eaLnBrk="1" latinLnBrk="0" hangingPunct="1">
-              <a:defRPr sz="1800" kern="1200">
-                <a:solidFill>
-                  <a:schemeClr val="lt1"/>
-                </a:solidFill>
-                <a:latin typeface="+mn-lt"/>
-                <a:ea typeface="+mn-ea"/>
-                <a:cs typeface="+mn-cs"/>
-              </a:defRPr>
-            </a:lvl3pPr>
-            <a:lvl4pPr marL="1371600" algn="l" defTabSz="914400" rtl="0" eaLnBrk="1" latinLnBrk="0" hangingPunct="1">
-              <a:defRPr sz="1800" kern="1200">
-                <a:solidFill>
-                  <a:schemeClr val="lt1"/>
-                </a:solidFill>
-                <a:latin typeface="+mn-lt"/>
-                <a:ea typeface="+mn-ea"/>
-                <a:cs typeface="+mn-cs"/>
-              </a:defRPr>
-            </a:lvl4pPr>
-            <a:lvl5pPr marL="1828800" algn="l" defTabSz="914400" rtl="0" eaLnBrk="1" latinLnBrk="0" hangingPunct="1">
-              <a:defRPr sz="1800" kern="1200">
-                <a:solidFill>
-                  <a:schemeClr val="lt1"/>
-                </a:solidFill>
-                <a:latin typeface="+mn-lt"/>
-                <a:ea typeface="+mn-ea"/>
-                <a:cs typeface="+mn-cs"/>
-              </a:defRPr>
-            </a:lvl5pPr>
-            <a:lvl6pPr marL="2286000" algn="l" defTabSz="914400" rtl="0" eaLnBrk="1" latinLnBrk="0" hangingPunct="1">
-              <a:defRPr sz="1800" kern="1200">
-                <a:solidFill>
-                  <a:schemeClr val="lt1"/>
-                </a:solidFill>
-                <a:latin typeface="+mn-lt"/>
-                <a:ea typeface="+mn-ea"/>
-                <a:cs typeface="+mn-cs"/>
-              </a:defRPr>
-            </a:lvl6pPr>
-            <a:lvl7pPr marL="2743200" algn="l" defTabSz="914400" rtl="0" eaLnBrk="1" latinLnBrk="0" hangingPunct="1">
-              <a:defRPr sz="1800" kern="1200">
-                <a:solidFill>
-                  <a:schemeClr val="lt1"/>
-                </a:solidFill>
-                <a:latin typeface="+mn-lt"/>
-                <a:ea typeface="+mn-ea"/>
-                <a:cs typeface="+mn-cs"/>
-              </a:defRPr>
-            </a:lvl7pPr>
-            <a:lvl8pPr marL="3200400" algn="l" defTabSz="914400" rtl="0" eaLnBrk="1" latinLnBrk="0" hangingPunct="1">
-              <a:defRPr sz="1800" kern="1200">
-                <a:solidFill>
-                  <a:schemeClr val="lt1"/>
-                </a:solidFill>
-                <a:latin typeface="+mn-lt"/>
-                <a:ea typeface="+mn-ea"/>
-                <a:cs typeface="+mn-cs"/>
-              </a:defRPr>
-            </a:lvl8pPr>
-            <a:lvl9pPr marL="3657600" algn="l" defTabSz="914400" rtl="0" eaLnBrk="1" latinLnBrk="0" hangingPunct="1">
-              <a:defRPr sz="1800" kern="1200">
-                <a:solidFill>
-                  <a:schemeClr val="lt1"/>
-                </a:solidFill>
-                <a:latin typeface="+mn-lt"/>
-                <a:ea typeface="+mn-ea"/>
-                <a:cs typeface="+mn-cs"/>
-              </a:defRPr>
-            </a:lvl9pPr>
-          </a:lstStyle>
-          <a:p>
-            <a:pPr algn="ctr"/>
-            <a:r>
-              <a:rPr lang="en-US" sz="1400" dirty="0"/>
-              <a:t>Model One-to-One Relationships with Embedded Documents (Subset Pattern)</a:t>
-            </a:r>
-          </a:p>
-        </p:txBody>
-      </p:sp>
-      <p:sp>
-        <p:nvSpPr>
           <p:cNvPr id="10" name="Rectangle 9">
             <a:extLst>
               <a:ext uri="{FF2B5EF4-FFF2-40B4-BE49-F238E27FC236}">
@@ -8055,6 +7918,149 @@
             <a:r>
               <a:rPr lang="en-US" sz="1200" dirty="0"/>
               <a:t>Review</a:t>
+            </a:r>
+          </a:p>
+        </p:txBody>
+      </p:sp>
+      <p:sp>
+        <p:nvSpPr>
+          <p:cNvPr id="12" name="Rectangle 11">
+            <a:extLst>
+              <a:ext uri="{FF2B5EF4-FFF2-40B4-BE49-F238E27FC236}">
+                <a16:creationId xmlns:a16="http://schemas.microsoft.com/office/drawing/2014/main" id="{E044EDF0-EB3A-4796-A8AE-386D8592517B}"/>
+              </a:ext>
+            </a:extLst>
+          </p:cNvPr>
+          <p:cNvSpPr/>
+          <p:nvPr/>
+        </p:nvSpPr>
+        <p:spPr>
+          <a:xfrm>
+            <a:off x="1712068" y="0"/>
+            <a:ext cx="5946775" cy="307777"/>
+          </a:xfrm>
+          <a:prstGeom prst="rect">
+            <a:avLst/>
+          </a:prstGeom>
+        </p:spPr>
+        <p:style>
+          <a:lnRef idx="1">
+            <a:schemeClr val="accent4"/>
+          </a:lnRef>
+          <a:fillRef idx="3">
+            <a:schemeClr val="accent4"/>
+          </a:fillRef>
+          <a:effectRef idx="2">
+            <a:schemeClr val="accent4"/>
+          </a:effectRef>
+          <a:fontRef idx="minor">
+            <a:schemeClr val="lt1"/>
+          </a:fontRef>
+        </p:style>
+        <p:txBody>
+          <a:bodyPr wrap="square">
+            <a:spAutoFit/>
+          </a:bodyPr>
+          <a:lstStyle>
+            <a:defPPr>
+              <a:defRPr lang="en-US"/>
+            </a:defPPr>
+            <a:lvl1pPr marL="0" algn="l" defTabSz="914400" rtl="0" eaLnBrk="1" latinLnBrk="0" hangingPunct="1">
+              <a:defRPr sz="1800" kern="1200">
+                <a:solidFill>
+                  <a:schemeClr val="lt1"/>
+                </a:solidFill>
+                <a:latin typeface="+mn-lt"/>
+                <a:ea typeface="+mn-ea"/>
+                <a:cs typeface="+mn-cs"/>
+              </a:defRPr>
+            </a:lvl1pPr>
+            <a:lvl2pPr marL="457200" algn="l" defTabSz="914400" rtl="0" eaLnBrk="1" latinLnBrk="0" hangingPunct="1">
+              <a:defRPr sz="1800" kern="1200">
+                <a:solidFill>
+                  <a:schemeClr val="lt1"/>
+                </a:solidFill>
+                <a:latin typeface="+mn-lt"/>
+                <a:ea typeface="+mn-ea"/>
+                <a:cs typeface="+mn-cs"/>
+              </a:defRPr>
+            </a:lvl2pPr>
+            <a:lvl3pPr marL="914400" algn="l" defTabSz="914400" rtl="0" eaLnBrk="1" latinLnBrk="0" hangingPunct="1">
+              <a:defRPr sz="1800" kern="1200">
+                <a:solidFill>
+                  <a:schemeClr val="lt1"/>
+                </a:solidFill>
+                <a:latin typeface="+mn-lt"/>
+                <a:ea typeface="+mn-ea"/>
+                <a:cs typeface="+mn-cs"/>
+              </a:defRPr>
+            </a:lvl3pPr>
+            <a:lvl4pPr marL="1371600" algn="l" defTabSz="914400" rtl="0" eaLnBrk="1" latinLnBrk="0" hangingPunct="1">
+              <a:defRPr sz="1800" kern="1200">
+                <a:solidFill>
+                  <a:schemeClr val="lt1"/>
+                </a:solidFill>
+                <a:latin typeface="+mn-lt"/>
+                <a:ea typeface="+mn-ea"/>
+                <a:cs typeface="+mn-cs"/>
+              </a:defRPr>
+            </a:lvl4pPr>
+            <a:lvl5pPr marL="1828800" algn="l" defTabSz="914400" rtl="0" eaLnBrk="1" latinLnBrk="0" hangingPunct="1">
+              <a:defRPr sz="1800" kern="1200">
+                <a:solidFill>
+                  <a:schemeClr val="lt1"/>
+                </a:solidFill>
+                <a:latin typeface="+mn-lt"/>
+                <a:ea typeface="+mn-ea"/>
+                <a:cs typeface="+mn-cs"/>
+              </a:defRPr>
+            </a:lvl5pPr>
+            <a:lvl6pPr marL="2286000" algn="l" defTabSz="914400" rtl="0" eaLnBrk="1" latinLnBrk="0" hangingPunct="1">
+              <a:defRPr sz="1800" kern="1200">
+                <a:solidFill>
+                  <a:schemeClr val="lt1"/>
+                </a:solidFill>
+                <a:latin typeface="+mn-lt"/>
+                <a:ea typeface="+mn-ea"/>
+                <a:cs typeface="+mn-cs"/>
+              </a:defRPr>
+            </a:lvl6pPr>
+            <a:lvl7pPr marL="2743200" algn="l" defTabSz="914400" rtl="0" eaLnBrk="1" latinLnBrk="0" hangingPunct="1">
+              <a:defRPr sz="1800" kern="1200">
+                <a:solidFill>
+                  <a:schemeClr val="lt1"/>
+                </a:solidFill>
+                <a:latin typeface="+mn-lt"/>
+                <a:ea typeface="+mn-ea"/>
+                <a:cs typeface="+mn-cs"/>
+              </a:defRPr>
+            </a:lvl7pPr>
+            <a:lvl8pPr marL="3200400" algn="l" defTabSz="914400" rtl="0" eaLnBrk="1" latinLnBrk="0" hangingPunct="1">
+              <a:defRPr sz="1800" kern="1200">
+                <a:solidFill>
+                  <a:schemeClr val="lt1"/>
+                </a:solidFill>
+                <a:latin typeface="+mn-lt"/>
+                <a:ea typeface="+mn-ea"/>
+                <a:cs typeface="+mn-cs"/>
+              </a:defRPr>
+            </a:lvl8pPr>
+            <a:lvl9pPr marL="3657600" algn="l" defTabSz="914400" rtl="0" eaLnBrk="1" latinLnBrk="0" hangingPunct="1">
+              <a:defRPr sz="1800" kern="1200">
+                <a:solidFill>
+                  <a:schemeClr val="lt1"/>
+                </a:solidFill>
+                <a:latin typeface="+mn-lt"/>
+                <a:ea typeface="+mn-ea"/>
+                <a:cs typeface="+mn-cs"/>
+              </a:defRPr>
+            </a:lvl9pPr>
+          </a:lstStyle>
+          <a:p>
+            <a:pPr algn="ctr"/>
+            <a:r>
+              <a:rPr lang="en-US" sz="1400" dirty="0"/>
+              <a:t>Model One-to-Many Relationships with Embedded Documents (Subset Pattern)</a:t>
             </a:r>
           </a:p>
         </p:txBody>
@@ -8247,149 +8253,6 @@
       </p:sp>
       <p:sp>
         <p:nvSpPr>
-          <p:cNvPr id="11" name="Rectangle 10">
-            <a:extLst>
-              <a:ext uri="{FF2B5EF4-FFF2-40B4-BE49-F238E27FC236}">
-                <a16:creationId xmlns:a16="http://schemas.microsoft.com/office/drawing/2014/main" id="{7142775A-ED08-4E7D-9A8D-92D911BD49C8}"/>
-              </a:ext>
-            </a:extLst>
-          </p:cNvPr>
-          <p:cNvSpPr/>
-          <p:nvPr/>
-        </p:nvSpPr>
-        <p:spPr>
-          <a:xfrm>
-            <a:off x="1712068" y="0"/>
-            <a:ext cx="5946775" cy="307777"/>
-          </a:xfrm>
-          <a:prstGeom prst="rect">
-            <a:avLst/>
-          </a:prstGeom>
-        </p:spPr>
-        <p:style>
-          <a:lnRef idx="1">
-            <a:schemeClr val="accent4"/>
-          </a:lnRef>
-          <a:fillRef idx="3">
-            <a:schemeClr val="accent4"/>
-          </a:fillRef>
-          <a:effectRef idx="2">
-            <a:schemeClr val="accent4"/>
-          </a:effectRef>
-          <a:fontRef idx="minor">
-            <a:schemeClr val="lt1"/>
-          </a:fontRef>
-        </p:style>
-        <p:txBody>
-          <a:bodyPr wrap="square">
-            <a:spAutoFit/>
-          </a:bodyPr>
-          <a:lstStyle>
-            <a:defPPr>
-              <a:defRPr lang="en-US"/>
-            </a:defPPr>
-            <a:lvl1pPr marL="0" algn="l" defTabSz="914400" rtl="0" eaLnBrk="1" latinLnBrk="0" hangingPunct="1">
-              <a:defRPr sz="1800" kern="1200">
-                <a:solidFill>
-                  <a:schemeClr val="lt1"/>
-                </a:solidFill>
-                <a:latin typeface="+mn-lt"/>
-                <a:ea typeface="+mn-ea"/>
-                <a:cs typeface="+mn-cs"/>
-              </a:defRPr>
-            </a:lvl1pPr>
-            <a:lvl2pPr marL="457200" algn="l" defTabSz="914400" rtl="0" eaLnBrk="1" latinLnBrk="0" hangingPunct="1">
-              <a:defRPr sz="1800" kern="1200">
-                <a:solidFill>
-                  <a:schemeClr val="lt1"/>
-                </a:solidFill>
-                <a:latin typeface="+mn-lt"/>
-                <a:ea typeface="+mn-ea"/>
-                <a:cs typeface="+mn-cs"/>
-              </a:defRPr>
-            </a:lvl2pPr>
-            <a:lvl3pPr marL="914400" algn="l" defTabSz="914400" rtl="0" eaLnBrk="1" latinLnBrk="0" hangingPunct="1">
-              <a:defRPr sz="1800" kern="1200">
-                <a:solidFill>
-                  <a:schemeClr val="lt1"/>
-                </a:solidFill>
-                <a:latin typeface="+mn-lt"/>
-                <a:ea typeface="+mn-ea"/>
-                <a:cs typeface="+mn-cs"/>
-              </a:defRPr>
-            </a:lvl3pPr>
-            <a:lvl4pPr marL="1371600" algn="l" defTabSz="914400" rtl="0" eaLnBrk="1" latinLnBrk="0" hangingPunct="1">
-              <a:defRPr sz="1800" kern="1200">
-                <a:solidFill>
-                  <a:schemeClr val="lt1"/>
-                </a:solidFill>
-                <a:latin typeface="+mn-lt"/>
-                <a:ea typeface="+mn-ea"/>
-                <a:cs typeface="+mn-cs"/>
-              </a:defRPr>
-            </a:lvl4pPr>
-            <a:lvl5pPr marL="1828800" algn="l" defTabSz="914400" rtl="0" eaLnBrk="1" latinLnBrk="0" hangingPunct="1">
-              <a:defRPr sz="1800" kern="1200">
-                <a:solidFill>
-                  <a:schemeClr val="lt1"/>
-                </a:solidFill>
-                <a:latin typeface="+mn-lt"/>
-                <a:ea typeface="+mn-ea"/>
-                <a:cs typeface="+mn-cs"/>
-              </a:defRPr>
-            </a:lvl5pPr>
-            <a:lvl6pPr marL="2286000" algn="l" defTabSz="914400" rtl="0" eaLnBrk="1" latinLnBrk="0" hangingPunct="1">
-              <a:defRPr sz="1800" kern="1200">
-                <a:solidFill>
-                  <a:schemeClr val="lt1"/>
-                </a:solidFill>
-                <a:latin typeface="+mn-lt"/>
-                <a:ea typeface="+mn-ea"/>
-                <a:cs typeface="+mn-cs"/>
-              </a:defRPr>
-            </a:lvl6pPr>
-            <a:lvl7pPr marL="2743200" algn="l" defTabSz="914400" rtl="0" eaLnBrk="1" latinLnBrk="0" hangingPunct="1">
-              <a:defRPr sz="1800" kern="1200">
-                <a:solidFill>
-                  <a:schemeClr val="lt1"/>
-                </a:solidFill>
-                <a:latin typeface="+mn-lt"/>
-                <a:ea typeface="+mn-ea"/>
-                <a:cs typeface="+mn-cs"/>
-              </a:defRPr>
-            </a:lvl7pPr>
-            <a:lvl8pPr marL="3200400" algn="l" defTabSz="914400" rtl="0" eaLnBrk="1" latinLnBrk="0" hangingPunct="1">
-              <a:defRPr sz="1800" kern="1200">
-                <a:solidFill>
-                  <a:schemeClr val="lt1"/>
-                </a:solidFill>
-                <a:latin typeface="+mn-lt"/>
-                <a:ea typeface="+mn-ea"/>
-                <a:cs typeface="+mn-cs"/>
-              </a:defRPr>
-            </a:lvl8pPr>
-            <a:lvl9pPr marL="3657600" algn="l" defTabSz="914400" rtl="0" eaLnBrk="1" latinLnBrk="0" hangingPunct="1">
-              <a:defRPr sz="1800" kern="1200">
-                <a:solidFill>
-                  <a:schemeClr val="lt1"/>
-                </a:solidFill>
-                <a:latin typeface="+mn-lt"/>
-                <a:ea typeface="+mn-ea"/>
-                <a:cs typeface="+mn-cs"/>
-              </a:defRPr>
-            </a:lvl9pPr>
-          </a:lstStyle>
-          <a:p>
-            <a:pPr algn="ctr"/>
-            <a:r>
-              <a:rPr lang="en-US" sz="1400" dirty="0"/>
-              <a:t>Model One-to-One Relationships with Embedded Documents (Subset Pattern)</a:t>
-            </a:r>
-          </a:p>
-        </p:txBody>
-      </p:sp>
-      <p:sp>
-        <p:nvSpPr>
           <p:cNvPr id="16" name="Rectangle 15">
             <a:extLst>
               <a:ext uri="{FF2B5EF4-FFF2-40B4-BE49-F238E27FC236}">
@@ -8512,6 +8375,149 @@
               <a:buChar char="ü"/>
             </a:pPr>
             <a:endParaRPr lang="en-US" sz="1200" dirty="0"/>
+          </a:p>
+        </p:txBody>
+      </p:sp>
+      <p:sp>
+        <p:nvSpPr>
+          <p:cNvPr id="8" name="Rectangle 7">
+            <a:extLst>
+              <a:ext uri="{FF2B5EF4-FFF2-40B4-BE49-F238E27FC236}">
+                <a16:creationId xmlns:a16="http://schemas.microsoft.com/office/drawing/2014/main" id="{D9406C57-4848-4A26-A92C-81F2C02C0A8D}"/>
+              </a:ext>
+            </a:extLst>
+          </p:cNvPr>
+          <p:cNvSpPr/>
+          <p:nvPr/>
+        </p:nvSpPr>
+        <p:spPr>
+          <a:xfrm>
+            <a:off x="1712068" y="0"/>
+            <a:ext cx="5946775" cy="307777"/>
+          </a:xfrm>
+          <a:prstGeom prst="rect">
+            <a:avLst/>
+          </a:prstGeom>
+        </p:spPr>
+        <p:style>
+          <a:lnRef idx="1">
+            <a:schemeClr val="accent4"/>
+          </a:lnRef>
+          <a:fillRef idx="3">
+            <a:schemeClr val="accent4"/>
+          </a:fillRef>
+          <a:effectRef idx="2">
+            <a:schemeClr val="accent4"/>
+          </a:effectRef>
+          <a:fontRef idx="minor">
+            <a:schemeClr val="lt1"/>
+          </a:fontRef>
+        </p:style>
+        <p:txBody>
+          <a:bodyPr wrap="square">
+            <a:spAutoFit/>
+          </a:bodyPr>
+          <a:lstStyle>
+            <a:defPPr>
+              <a:defRPr lang="en-US"/>
+            </a:defPPr>
+            <a:lvl1pPr marL="0" algn="l" defTabSz="914400" rtl="0" eaLnBrk="1" latinLnBrk="0" hangingPunct="1">
+              <a:defRPr sz="1800" kern="1200">
+                <a:solidFill>
+                  <a:schemeClr val="lt1"/>
+                </a:solidFill>
+                <a:latin typeface="+mn-lt"/>
+                <a:ea typeface="+mn-ea"/>
+                <a:cs typeface="+mn-cs"/>
+              </a:defRPr>
+            </a:lvl1pPr>
+            <a:lvl2pPr marL="457200" algn="l" defTabSz="914400" rtl="0" eaLnBrk="1" latinLnBrk="0" hangingPunct="1">
+              <a:defRPr sz="1800" kern="1200">
+                <a:solidFill>
+                  <a:schemeClr val="lt1"/>
+                </a:solidFill>
+                <a:latin typeface="+mn-lt"/>
+                <a:ea typeface="+mn-ea"/>
+                <a:cs typeface="+mn-cs"/>
+              </a:defRPr>
+            </a:lvl2pPr>
+            <a:lvl3pPr marL="914400" algn="l" defTabSz="914400" rtl="0" eaLnBrk="1" latinLnBrk="0" hangingPunct="1">
+              <a:defRPr sz="1800" kern="1200">
+                <a:solidFill>
+                  <a:schemeClr val="lt1"/>
+                </a:solidFill>
+                <a:latin typeface="+mn-lt"/>
+                <a:ea typeface="+mn-ea"/>
+                <a:cs typeface="+mn-cs"/>
+              </a:defRPr>
+            </a:lvl3pPr>
+            <a:lvl4pPr marL="1371600" algn="l" defTabSz="914400" rtl="0" eaLnBrk="1" latinLnBrk="0" hangingPunct="1">
+              <a:defRPr sz="1800" kern="1200">
+                <a:solidFill>
+                  <a:schemeClr val="lt1"/>
+                </a:solidFill>
+                <a:latin typeface="+mn-lt"/>
+                <a:ea typeface="+mn-ea"/>
+                <a:cs typeface="+mn-cs"/>
+              </a:defRPr>
+            </a:lvl4pPr>
+            <a:lvl5pPr marL="1828800" algn="l" defTabSz="914400" rtl="0" eaLnBrk="1" latinLnBrk="0" hangingPunct="1">
+              <a:defRPr sz="1800" kern="1200">
+                <a:solidFill>
+                  <a:schemeClr val="lt1"/>
+                </a:solidFill>
+                <a:latin typeface="+mn-lt"/>
+                <a:ea typeface="+mn-ea"/>
+                <a:cs typeface="+mn-cs"/>
+              </a:defRPr>
+            </a:lvl5pPr>
+            <a:lvl6pPr marL="2286000" algn="l" defTabSz="914400" rtl="0" eaLnBrk="1" latinLnBrk="0" hangingPunct="1">
+              <a:defRPr sz="1800" kern="1200">
+                <a:solidFill>
+                  <a:schemeClr val="lt1"/>
+                </a:solidFill>
+                <a:latin typeface="+mn-lt"/>
+                <a:ea typeface="+mn-ea"/>
+                <a:cs typeface="+mn-cs"/>
+              </a:defRPr>
+            </a:lvl6pPr>
+            <a:lvl7pPr marL="2743200" algn="l" defTabSz="914400" rtl="0" eaLnBrk="1" latinLnBrk="0" hangingPunct="1">
+              <a:defRPr sz="1800" kern="1200">
+                <a:solidFill>
+                  <a:schemeClr val="lt1"/>
+                </a:solidFill>
+                <a:latin typeface="+mn-lt"/>
+                <a:ea typeface="+mn-ea"/>
+                <a:cs typeface="+mn-cs"/>
+              </a:defRPr>
+            </a:lvl7pPr>
+            <a:lvl8pPr marL="3200400" algn="l" defTabSz="914400" rtl="0" eaLnBrk="1" latinLnBrk="0" hangingPunct="1">
+              <a:defRPr sz="1800" kern="1200">
+                <a:solidFill>
+                  <a:schemeClr val="lt1"/>
+                </a:solidFill>
+                <a:latin typeface="+mn-lt"/>
+                <a:ea typeface="+mn-ea"/>
+                <a:cs typeface="+mn-cs"/>
+              </a:defRPr>
+            </a:lvl8pPr>
+            <a:lvl9pPr marL="3657600" algn="l" defTabSz="914400" rtl="0" eaLnBrk="1" latinLnBrk="0" hangingPunct="1">
+              <a:defRPr sz="1800" kern="1200">
+                <a:solidFill>
+                  <a:schemeClr val="lt1"/>
+                </a:solidFill>
+                <a:latin typeface="+mn-lt"/>
+                <a:ea typeface="+mn-ea"/>
+                <a:cs typeface="+mn-cs"/>
+              </a:defRPr>
+            </a:lvl9pPr>
+          </a:lstStyle>
+          <a:p>
+            <a:pPr algn="ctr"/>
+            <a:r>
+              <a:rPr lang="en-US" sz="1400" dirty="0"/>
+              <a:t>Model One-to-Many Relationships with Embedded Documents (Subset Pattern)</a:t>
+            </a:r>
           </a:p>
         </p:txBody>
       </p:sp>
@@ -8703,10 +8709,186 @@
       </p:sp>
       <p:sp>
         <p:nvSpPr>
-          <p:cNvPr id="11" name="Rectangle 10">
+          <p:cNvPr id="8" name="Rectangle 7">
             <a:extLst>
               <a:ext uri="{FF2B5EF4-FFF2-40B4-BE49-F238E27FC236}">
-                <a16:creationId xmlns:a16="http://schemas.microsoft.com/office/drawing/2014/main" id="{7142775A-ED08-4E7D-9A8D-92D911BD49C8}"/>
+                <a16:creationId xmlns:a16="http://schemas.microsoft.com/office/drawing/2014/main" id="{832FF045-94BD-4343-B8DE-DC6709284B9F}"/>
+              </a:ext>
+            </a:extLst>
+          </p:cNvPr>
+          <p:cNvSpPr/>
+          <p:nvPr/>
+        </p:nvSpPr>
+        <p:spPr>
+          <a:xfrm>
+            <a:off x="155575" y="1447800"/>
+            <a:ext cx="2229906" cy="276999"/>
+          </a:xfrm>
+          <a:prstGeom prst="rect">
+            <a:avLst/>
+          </a:prstGeom>
+        </p:spPr>
+        <p:style>
+          <a:lnRef idx="1">
+            <a:schemeClr val="accent2"/>
+          </a:lnRef>
+          <a:fillRef idx="3">
+            <a:schemeClr val="accent2"/>
+          </a:fillRef>
+          <a:effectRef idx="2">
+            <a:schemeClr val="accent2"/>
+          </a:effectRef>
+          <a:fontRef idx="minor">
+            <a:schemeClr val="lt1"/>
+          </a:fontRef>
+        </p:style>
+        <p:txBody>
+          <a:bodyPr wrap="none">
+            <a:spAutoFit/>
+          </a:bodyPr>
+          <a:lstStyle/>
+          <a:p>
+            <a:r>
+              <a:rPr lang="en-US" sz="1200" dirty="0">
+                <a:solidFill>
+                  <a:schemeClr val="bg1"/>
+                </a:solidFill>
+                <a:latin typeface="Akzidenz"/>
+              </a:rPr>
+              <a:t>Trade-Offs of the Subset Pattern</a:t>
+            </a:r>
+            <a:endParaRPr lang="en-US" sz="1200" i="0" dirty="0">
+              <a:solidFill>
+                <a:schemeClr val="bg1"/>
+              </a:solidFill>
+              <a:effectLst/>
+              <a:latin typeface="Akzidenz"/>
+            </a:endParaRPr>
+          </a:p>
+        </p:txBody>
+      </p:sp>
+      <p:sp>
+        <p:nvSpPr>
+          <p:cNvPr id="10" name="Rectangle 9">
+            <a:extLst>
+              <a:ext uri="{FF2B5EF4-FFF2-40B4-BE49-F238E27FC236}">
+                <a16:creationId xmlns:a16="http://schemas.microsoft.com/office/drawing/2014/main" id="{3B0A559E-8EFC-4481-B75B-B860ABA2A768}"/>
+              </a:ext>
+            </a:extLst>
+          </p:cNvPr>
+          <p:cNvSpPr/>
+          <p:nvPr/>
+        </p:nvSpPr>
+        <p:spPr>
+          <a:xfrm>
+            <a:off x="155575" y="1752600"/>
+            <a:ext cx="8836025" cy="2590800"/>
+          </a:xfrm>
+          <a:prstGeom prst="rect">
+            <a:avLst/>
+          </a:prstGeom>
+          <a:ln w="3175"/>
+        </p:spPr>
+        <p:style>
+          <a:lnRef idx="2">
+            <a:schemeClr val="accent4"/>
+          </a:lnRef>
+          <a:fillRef idx="1">
+            <a:schemeClr val="lt1"/>
+          </a:fillRef>
+          <a:effectRef idx="0">
+            <a:schemeClr val="accent4"/>
+          </a:effectRef>
+          <a:fontRef idx="minor">
+            <a:schemeClr val="dk1"/>
+          </a:fontRef>
+        </p:style>
+        <p:txBody>
+          <a:bodyPr rtlCol="0" anchor="ctr"/>
+          <a:lstStyle/>
+          <a:p>
+            <a:pPr marL="171450" indent="-171450">
+              <a:buFont typeface="Wingdings" panose="05000000000000000000" pitchFamily="2" charset="2"/>
+              <a:buChar char="ü"/>
+            </a:pPr>
+            <a:endParaRPr lang="en-US" sz="1200" dirty="0"/>
+          </a:p>
+          <a:p>
+            <a:pPr marL="171450" indent="-171450">
+              <a:buFont typeface="Wingdings" panose="05000000000000000000" pitchFamily="2" charset="2"/>
+              <a:buChar char="ü"/>
+            </a:pPr>
+            <a:r>
+              <a:rPr lang="en-US" sz="1200" dirty="0"/>
+              <a:t>Using smaller documents containing more frequently-accessed data reduces the overall size of the working set. These smaller documents result in improved read performance for the data that the application accesses most frequently.</a:t>
+            </a:r>
+          </a:p>
+          <a:p>
+            <a:pPr marL="171450" indent="-171450">
+              <a:buFont typeface="Wingdings" panose="05000000000000000000" pitchFamily="2" charset="2"/>
+              <a:buChar char="ü"/>
+            </a:pPr>
+            <a:endParaRPr lang="en-US" sz="1200" dirty="0"/>
+          </a:p>
+          <a:p>
+            <a:pPr marL="171450" indent="-171450">
+              <a:buFont typeface="Wingdings" panose="05000000000000000000" pitchFamily="2" charset="2"/>
+              <a:buChar char="ü"/>
+            </a:pPr>
+            <a:r>
+              <a:rPr lang="en-US" sz="1200" dirty="0"/>
+              <a:t>However, the subset pattern results in data duplication. In the example, reviews are maintained in both the product collection and the reviews collection. Extra steps must be taken to ensure that the reviews are consistent between each collection. For example, when a customer edits their review, the application may need to make two write operations: one to update the product collection and one to update the reviews collection.</a:t>
+            </a:r>
+          </a:p>
+          <a:p>
+            <a:pPr marL="171450" indent="-171450">
+              <a:buFont typeface="Wingdings" panose="05000000000000000000" pitchFamily="2" charset="2"/>
+              <a:buChar char="ü"/>
+            </a:pPr>
+            <a:endParaRPr lang="en-US" sz="1200" dirty="0"/>
+          </a:p>
+          <a:p>
+            <a:pPr marL="171450" indent="-171450">
+              <a:buFont typeface="Wingdings" panose="05000000000000000000" pitchFamily="2" charset="2"/>
+              <a:buChar char="ü"/>
+            </a:pPr>
+            <a:r>
+              <a:rPr lang="en-US" sz="1200" dirty="0"/>
+              <a:t>You must also implement logic in your application to ensure that the reviews in the product collection are always the ten most recent reviews for that product.</a:t>
+            </a:r>
+          </a:p>
+          <a:p>
+            <a:pPr marL="171450" indent="-171450">
+              <a:buFont typeface="Wingdings" panose="05000000000000000000" pitchFamily="2" charset="2"/>
+              <a:buChar char="ü"/>
+            </a:pPr>
+            <a:endParaRPr lang="en-US" sz="1200" dirty="0"/>
+          </a:p>
+          <a:p>
+            <a:pPr marL="171450" indent="-171450">
+              <a:buFont typeface="Wingdings" panose="05000000000000000000" pitchFamily="2" charset="2"/>
+              <a:buChar char="ü"/>
+            </a:pPr>
+            <a:r>
+              <a:rPr lang="en-US" sz="1200" dirty="0"/>
+              <a:t>Comments on a blog post, when you only want to show the most recent or highest-rated comments by default.</a:t>
+            </a:r>
+          </a:p>
+          <a:p>
+            <a:pPr marL="171450" indent="-171450">
+              <a:buFont typeface="Wingdings" panose="05000000000000000000" pitchFamily="2" charset="2"/>
+              <a:buChar char="ü"/>
+            </a:pPr>
+            <a:endParaRPr lang="en-US" sz="1200" dirty="0"/>
+          </a:p>
+        </p:txBody>
+      </p:sp>
+      <p:sp>
+        <p:nvSpPr>
+          <p:cNvPr id="12" name="Rectangle 11">
+            <a:extLst>
+              <a:ext uri="{FF2B5EF4-FFF2-40B4-BE49-F238E27FC236}">
+                <a16:creationId xmlns:a16="http://schemas.microsoft.com/office/drawing/2014/main" id="{8F1C369B-4862-4872-B570-6B36CEFF271C}"/>
               </a:ext>
             </a:extLst>
           </p:cNvPr>
@@ -8839,152 +9021,7 @@
             <a:pPr algn="ctr"/>
             <a:r>
               <a:rPr lang="en-US" sz="1400" dirty="0"/>
-              <a:t>Model One-to-One Relationships with Embedded Documents (Subset Pattern)</a:t>
-            </a:r>
-          </a:p>
-        </p:txBody>
-      </p:sp>
-      <p:sp>
-        <p:nvSpPr>
-          <p:cNvPr id="8" name="Rectangle 7">
-            <a:extLst>
-              <a:ext uri="{FF2B5EF4-FFF2-40B4-BE49-F238E27FC236}">
-                <a16:creationId xmlns:a16="http://schemas.microsoft.com/office/drawing/2014/main" id="{832FF045-94BD-4343-B8DE-DC6709284B9F}"/>
-              </a:ext>
-            </a:extLst>
-          </p:cNvPr>
-          <p:cNvSpPr/>
-          <p:nvPr/>
-        </p:nvSpPr>
-        <p:spPr>
-          <a:xfrm>
-            <a:off x="155575" y="1447800"/>
-            <a:ext cx="2229906" cy="276999"/>
-          </a:xfrm>
-          <a:prstGeom prst="rect">
-            <a:avLst/>
-          </a:prstGeom>
-        </p:spPr>
-        <p:style>
-          <a:lnRef idx="1">
-            <a:schemeClr val="accent2"/>
-          </a:lnRef>
-          <a:fillRef idx="3">
-            <a:schemeClr val="accent2"/>
-          </a:fillRef>
-          <a:effectRef idx="2">
-            <a:schemeClr val="accent2"/>
-          </a:effectRef>
-          <a:fontRef idx="minor">
-            <a:schemeClr val="lt1"/>
-          </a:fontRef>
-        </p:style>
-        <p:txBody>
-          <a:bodyPr wrap="none">
-            <a:spAutoFit/>
-          </a:bodyPr>
-          <a:lstStyle/>
-          <a:p>
-            <a:r>
-              <a:rPr lang="en-US" sz="1200" dirty="0">
-                <a:solidFill>
-                  <a:schemeClr val="bg1"/>
-                </a:solidFill>
-                <a:latin typeface="Akzidenz"/>
-              </a:rPr>
-              <a:t>Trade-Offs of the Subset Pattern</a:t>
-            </a:r>
-            <a:endParaRPr lang="en-US" sz="1200" i="0" dirty="0">
-              <a:solidFill>
-                <a:schemeClr val="bg1"/>
-              </a:solidFill>
-              <a:effectLst/>
-              <a:latin typeface="Akzidenz"/>
-            </a:endParaRPr>
-          </a:p>
-        </p:txBody>
-      </p:sp>
-      <p:sp>
-        <p:nvSpPr>
-          <p:cNvPr id="10" name="Rectangle 9">
-            <a:extLst>
-              <a:ext uri="{FF2B5EF4-FFF2-40B4-BE49-F238E27FC236}">
-                <a16:creationId xmlns:a16="http://schemas.microsoft.com/office/drawing/2014/main" id="{3B0A559E-8EFC-4481-B75B-B860ABA2A768}"/>
-              </a:ext>
-            </a:extLst>
-          </p:cNvPr>
-          <p:cNvSpPr/>
-          <p:nvPr/>
-        </p:nvSpPr>
-        <p:spPr>
-          <a:xfrm>
-            <a:off x="155575" y="1752600"/>
-            <a:ext cx="8836025" cy="1752600"/>
-          </a:xfrm>
-          <a:prstGeom prst="rect">
-            <a:avLst/>
-          </a:prstGeom>
-          <a:ln w="3175"/>
-        </p:spPr>
-        <p:style>
-          <a:lnRef idx="2">
-            <a:schemeClr val="accent4"/>
-          </a:lnRef>
-          <a:fillRef idx="1">
-            <a:schemeClr val="lt1"/>
-          </a:fillRef>
-          <a:effectRef idx="0">
-            <a:schemeClr val="accent4"/>
-          </a:effectRef>
-          <a:fontRef idx="minor">
-            <a:schemeClr val="dk1"/>
-          </a:fontRef>
-        </p:style>
-        <p:txBody>
-          <a:bodyPr rtlCol="0" anchor="ctr"/>
-          <a:lstStyle/>
-          <a:p>
-            <a:pPr marL="171450" indent="-171450">
-              <a:buFont typeface="Wingdings" panose="05000000000000000000" pitchFamily="2" charset="2"/>
-              <a:buChar char="ü"/>
-            </a:pPr>
-            <a:r>
-              <a:rPr lang="en-US" sz="1200" dirty="0"/>
-              <a:t>Using smaller documents containing more frequently-accessed data reduces the overall size of the working set. These smaller documents result in improved read performance and make more memory available for the application.</a:t>
-            </a:r>
-          </a:p>
-          <a:p>
-            <a:pPr marL="171450" indent="-171450">
-              <a:buFont typeface="Wingdings" panose="05000000000000000000" pitchFamily="2" charset="2"/>
-              <a:buChar char="ü"/>
-            </a:pPr>
-            <a:endParaRPr lang="en-US" sz="1200" dirty="0"/>
-          </a:p>
-          <a:p>
-            <a:pPr marL="171450" indent="-171450">
-              <a:buFont typeface="Wingdings" panose="05000000000000000000" pitchFamily="2" charset="2"/>
-              <a:buChar char="ü"/>
-            </a:pPr>
-            <a:r>
-              <a:rPr lang="en-US" sz="1200" dirty="0"/>
-              <a:t>However, it is important to understand your application and the way it loads data. If you split your data into multiple collections improperly, your application will often need to make multiple trips to the database and rely on JOIN operations to retrieve all of the data that it needs.</a:t>
-            </a:r>
-          </a:p>
-          <a:p>
-            <a:pPr marL="171450" indent="-171450">
-              <a:buFont typeface="Wingdings" panose="05000000000000000000" pitchFamily="2" charset="2"/>
-              <a:buChar char="ü"/>
-            </a:pPr>
-            <a:endParaRPr lang="en-US" sz="1200" dirty="0"/>
-          </a:p>
-          <a:p>
-            <a:pPr marL="171450" indent="-171450">
-              <a:buFont typeface="Wingdings" panose="05000000000000000000" pitchFamily="2" charset="2"/>
-              <a:buChar char="ü"/>
-            </a:pPr>
-            <a:r>
-              <a:rPr lang="en-US" sz="1200" dirty="0"/>
-              <a:t>In addition, splitting your data into many small collections may increase required database maintenance, as it may become difficult to track what data is stored in which collection.</a:t>
+              <a:t>Model One-to-Many Relationships with Embedded Documents (Subset Pattern)</a:t>
             </a:r>
           </a:p>
         </p:txBody>
